--- a/Examples/intro2PCBdesign-badboards.pptx
+++ b/Examples/intro2PCBdesign-badboards.pptx
@@ -5,10 +5,10 @@
     <p:sldMasterId id="2147483660" r:id="rId4"/>
   </p:sldMasterIdLst>
   <p:notesMasterIdLst>
-    <p:notesMasterId r:id="rId27"/>
+    <p:notesMasterId r:id="rId31"/>
   </p:notesMasterIdLst>
   <p:handoutMasterIdLst>
-    <p:handoutMasterId r:id="rId28"/>
+    <p:handoutMasterId r:id="rId32"/>
   </p:handoutMasterIdLst>
   <p:sldIdLst>
     <p:sldId id="256" r:id="rId5"/>
@@ -23,16 +23,20 @@
     <p:sldId id="265" r:id="rId14"/>
     <p:sldId id="266" r:id="rId15"/>
     <p:sldId id="267" r:id="rId16"/>
-    <p:sldId id="268" r:id="rId17"/>
-    <p:sldId id="269" r:id="rId18"/>
-    <p:sldId id="270" r:id="rId19"/>
-    <p:sldId id="271" r:id="rId20"/>
-    <p:sldId id="272" r:id="rId21"/>
-    <p:sldId id="273" r:id="rId22"/>
-    <p:sldId id="274" r:id="rId23"/>
-    <p:sldId id="275" r:id="rId24"/>
-    <p:sldId id="276" r:id="rId25"/>
-    <p:sldId id="277" r:id="rId26"/>
+    <p:sldId id="278" r:id="rId17"/>
+    <p:sldId id="268" r:id="rId18"/>
+    <p:sldId id="269" r:id="rId19"/>
+    <p:sldId id="270" r:id="rId20"/>
+    <p:sldId id="271" r:id="rId21"/>
+    <p:sldId id="272" r:id="rId22"/>
+    <p:sldId id="273" r:id="rId23"/>
+    <p:sldId id="274" r:id="rId24"/>
+    <p:sldId id="275" r:id="rId25"/>
+    <p:sldId id="276" r:id="rId26"/>
+    <p:sldId id="277" r:id="rId27"/>
+    <p:sldId id="279" r:id="rId28"/>
+    <p:sldId id="280" r:id="rId29"/>
+    <p:sldId id="282" r:id="rId30"/>
   </p:sldIdLst>
   <p:sldSz cx="12192000" cy="6858000"/>
   <p:notesSz cx="6858000" cy="9144000"/>
@@ -148,6 +152,7 @@
             <p14:sldId id="265"/>
             <p14:sldId id="266"/>
             <p14:sldId id="267"/>
+            <p14:sldId id="278"/>
             <p14:sldId id="268"/>
             <p14:sldId id="269"/>
             <p14:sldId id="270"/>
@@ -158,6 +163,9 @@
             <p14:sldId id="275"/>
             <p14:sldId id="276"/>
             <p14:sldId id="277"/>
+            <p14:sldId id="279"/>
+            <p14:sldId id="280"/>
+            <p14:sldId id="282"/>
           </p14:sldIdLst>
         </p14:section>
       </p14:sectionLst>
@@ -192,7 +200,7 @@
 <file path=ppt/revisionInfo.xml><?xml version="1.0" encoding="utf-8"?>
 <p1510:revInfo xmlns:a="http://schemas.openxmlformats.org/drawingml/2006/main" xmlns:r="http://schemas.openxmlformats.org/officeDocument/2006/relationships" xmlns:p1510="http://schemas.microsoft.com/office/powerpoint/2015/10/main">
   <p1510:revLst>
-    <p1510:client id="{301A786A-F856-4495-A854-753441AA3870}" v="33" dt="2020-04-24T07:06:57.767"/>
+    <p1510:client id="{301A786A-F856-4495-A854-753441AA3870}" v="56" dt="2020-04-24T20:11:32.424"/>
   </p1510:revLst>
 </p1510:revInfo>
 </file>
@@ -279,7 +287,7 @@
           <a:p>
             <a:fld id="{80680FBE-A8DF-4758-9AC4-3A9E1039168F}" type="datetimeFigureOut">
               <a:rPr lang="en-US" smtClean="0"/>
-              <a:t>4/23/2020</a:t>
+              <a:t>4/24/2020</a:t>
             </a:fld>
             <a:endParaRPr lang="en-US" dirty="0"/>
           </a:p>
@@ -444,7 +452,7 @@
           <a:p>
             <a:fld id="{EC13577B-6902-467D-A26C-08A0DD5E4E03}" type="datetimeFigureOut">
               <a:rPr lang="en-US" smtClean="0"/>
-              <a:t>4/23/2020</a:t>
+              <a:t>4/24/2020</a:t>
             </a:fld>
             <a:endParaRPr lang="en-US" dirty="0"/>
           </a:p>
@@ -1239,7 +1247,7 @@
             <a:fld id="{8BEEBAAA-29B5-4AF5-BC5F-7E580C29002D}" type="datetimeFigureOut">
               <a:rPr lang="en-US" smtClean="0"/>
               <a:pPr/>
-              <a:t>4/23/2020</a:t>
+              <a:t>4/24/2020</a:t>
             </a:fld>
             <a:endParaRPr lang="en-US" dirty="0"/>
           </a:p>
@@ -1865,7 +1873,7 @@
             <a:fld id="{8BEEBAAA-29B5-4AF5-BC5F-7E580C29002D}" type="datetimeFigureOut">
               <a:rPr lang="en-US" smtClean="0"/>
               <a:pPr/>
-              <a:t>4/23/2020</a:t>
+              <a:t>4/24/2020</a:t>
             </a:fld>
             <a:endParaRPr lang="en-US" dirty="0"/>
           </a:p>
@@ -2895,7 +2903,7 @@
           <p:cNvPr id="2" name="Title 1">
             <a:extLst>
               <a:ext uri="{FF2B5EF4-FFF2-40B4-BE49-F238E27FC236}">
-                <a16:creationId xmlns:a16="http://schemas.microsoft.com/office/drawing/2014/main" id="{F6B9A251-32BF-4C56-B69F-D16B92D998E2}"/>
+                <a16:creationId xmlns:a16="http://schemas.microsoft.com/office/drawing/2014/main" id="{CF28B1D8-E090-4D03-8726-E5539C8905EA}"/>
               </a:ext>
             </a:extLst>
           </p:cNvPr>
@@ -2913,7 +2921,7 @@
           <a:p>
             <a:r>
               <a:rPr lang="en-US" dirty="0"/>
-              <a:t>board3</a:t>
+              <a:t>board2</a:t>
             </a:r>
           </a:p>
         </p:txBody>
@@ -2923,7 +2931,7 @@
           <p:cNvPr id="4" name="Picture 3">
             <a:extLst>
               <a:ext uri="{FF2B5EF4-FFF2-40B4-BE49-F238E27FC236}">
-                <a16:creationId xmlns:a16="http://schemas.microsoft.com/office/drawing/2014/main" id="{D60CB3ED-C7CA-4FAB-A862-581E99524343}"/>
+                <a16:creationId xmlns:a16="http://schemas.microsoft.com/office/drawing/2014/main" id="{C847ACF9-E7A8-4FC4-A259-B57C253F0DD6}"/>
               </a:ext>
             </a:extLst>
           </p:cNvPr>
@@ -2940,48 +2948,183 @@
         </p:blipFill>
         <p:spPr>
           <a:xfrm>
-            <a:off x="5940182" y="0"/>
-            <a:ext cx="6251818" cy="6858000"/>
+            <a:off x="6483112" y="0"/>
+            <a:ext cx="5708888" cy="6858000"/>
           </a:xfrm>
           <a:prstGeom prst="rect">
             <a:avLst/>
           </a:prstGeom>
         </p:spPr>
       </p:pic>
-      <p:pic>
-        <p:nvPicPr>
-          <p:cNvPr id="5" name="Picture 4">
+      <p:sp>
+        <p:nvSpPr>
+          <p:cNvPr id="3" name="TextBox 2">
             <a:extLst>
               <a:ext uri="{FF2B5EF4-FFF2-40B4-BE49-F238E27FC236}">
-                <a16:creationId xmlns:a16="http://schemas.microsoft.com/office/drawing/2014/main" id="{FDA51A9D-15CA-4B37-8814-E3AC90C79BC3}"/>
+                <a16:creationId xmlns:a16="http://schemas.microsoft.com/office/drawing/2014/main" id="{E96696A5-8C02-4DBA-B548-8EBDCAD41869}"/>
               </a:ext>
             </a:extLst>
           </p:cNvPr>
-          <p:cNvPicPr>
-            <a:picLocks noChangeAspect="1"/>
-          </p:cNvPicPr>
+          <p:cNvSpPr txBox="1"/>
           <p:nvPr/>
-        </p:nvPicPr>
-        <p:blipFill>
-          <a:blip r:embed="rId3"/>
-          <a:stretch>
-            <a:fillRect/>
-          </a:stretch>
-        </p:blipFill>
-        <p:spPr>
-          <a:xfrm>
-            <a:off x="10880912" y="0"/>
-            <a:ext cx="1311088" cy="3429000"/>
+        </p:nvSpPr>
+        <p:spPr>
+          <a:xfrm>
+            <a:off x="521207" y="1375794"/>
+            <a:ext cx="5708888" cy="5355312"/>
           </a:xfrm>
           <a:prstGeom prst="rect">
             <a:avLst/>
           </a:prstGeom>
-        </p:spPr>
-      </p:pic>
+          <a:noFill/>
+        </p:spPr>
+        <p:txBody>
+          <a:bodyPr wrap="square" rtlCol="0">
+            <a:spAutoFit/>
+          </a:bodyPr>
+          <a:lstStyle/>
+          <a:p>
+            <a:pPr marL="285750" indent="-285750">
+              <a:buFont typeface="Arial" panose="020B0604020202020204" pitchFamily="34" charset="0"/>
+              <a:buChar char="•"/>
+            </a:pPr>
+            <a:r>
+              <a:rPr lang="en-US" dirty="0"/>
+              <a:t>Different widths on the same trace</a:t>
+            </a:r>
+          </a:p>
+          <a:p>
+            <a:pPr marL="742950" lvl="1" indent="-285750">
+              <a:buFont typeface="Arial" panose="020B0604020202020204" pitchFamily="34" charset="0"/>
+              <a:buChar char="•"/>
+            </a:pPr>
+            <a:r>
+              <a:rPr lang="en-US" dirty="0"/>
+              <a:t>Different impedances on same trace</a:t>
+            </a:r>
+          </a:p>
+          <a:p>
+            <a:pPr marL="1200150" lvl="2" indent="-285750">
+              <a:buFont typeface="Arial" panose="020B0604020202020204" pitchFamily="34" charset="0"/>
+              <a:buChar char="•"/>
+            </a:pPr>
+            <a:r>
+              <a:rPr lang="en-US" dirty="0"/>
+              <a:t>Reflections in high frequency signals</a:t>
+            </a:r>
+          </a:p>
+          <a:p>
+            <a:pPr marL="1657350" lvl="3" indent="-285750">
+              <a:buFont typeface="Arial" panose="020B0604020202020204" pitchFamily="34" charset="0"/>
+              <a:buChar char="•"/>
+            </a:pPr>
+            <a:r>
+              <a:rPr lang="en-US" dirty="0" err="1"/>
+              <a:t>Byebye</a:t>
+            </a:r>
+            <a:r>
+              <a:rPr lang="en-US" dirty="0"/>
+              <a:t> signal</a:t>
+            </a:r>
+          </a:p>
+          <a:p>
+            <a:pPr marL="285750" indent="-285750">
+              <a:buFont typeface="Arial" panose="020B0604020202020204" pitchFamily="34" charset="0"/>
+              <a:buChar char="•"/>
+            </a:pPr>
+            <a:r>
+              <a:rPr lang="en-US" dirty="0"/>
+              <a:t>Acute angles</a:t>
+            </a:r>
+          </a:p>
+          <a:p>
+            <a:pPr marL="285750" indent="-285750">
+              <a:buFont typeface="Arial" panose="020B0604020202020204" pitchFamily="34" charset="0"/>
+              <a:buChar char="•"/>
+            </a:pPr>
+            <a:endParaRPr lang="en-US" dirty="0"/>
+          </a:p>
+          <a:p>
+            <a:pPr marL="285750" indent="-285750">
+              <a:buFont typeface="Arial" panose="020B0604020202020204" pitchFamily="34" charset="0"/>
+              <a:buChar char="•"/>
+            </a:pPr>
+            <a:endParaRPr lang="en-US" dirty="0"/>
+          </a:p>
+          <a:p>
+            <a:pPr marL="285750" indent="-285750">
+              <a:buFont typeface="Arial" panose="020B0604020202020204" pitchFamily="34" charset="0"/>
+              <a:buChar char="•"/>
+            </a:pPr>
+            <a:r>
+              <a:rPr lang="en-US" dirty="0"/>
+              <a:t>IPC-2152 -</a:t>
+            </a:r>
+            <a:r>
+              <a:rPr lang="en-US" i="1" dirty="0"/>
+              <a:t> Standard for Determining Current-carrying Capacity in Printed Board Design</a:t>
+            </a:r>
+          </a:p>
+          <a:p>
+            <a:pPr marL="285750" indent="-285750">
+              <a:buFont typeface="Arial" panose="020B0604020202020204" pitchFamily="34" charset="0"/>
+              <a:buChar char="•"/>
+            </a:pPr>
+            <a:r>
+              <a:rPr lang="en-US" dirty="0"/>
+              <a:t>IPC – “The global trade association serving the printed board and electronics assembly industries, their customers and suppliers”</a:t>
+            </a:r>
+          </a:p>
+          <a:p>
+            <a:pPr marL="285750" indent="-285750">
+              <a:buFont typeface="Arial" panose="020B0604020202020204" pitchFamily="34" charset="0"/>
+              <a:buChar char="•"/>
+            </a:pPr>
+            <a:endParaRPr lang="en-US" dirty="0"/>
+          </a:p>
+          <a:p>
+            <a:pPr marL="285750" indent="-285750">
+              <a:buFont typeface="Arial" panose="020B0604020202020204" pitchFamily="34" charset="0"/>
+              <a:buChar char="•"/>
+            </a:pPr>
+            <a:endParaRPr lang="en-US" dirty="0"/>
+          </a:p>
+          <a:p>
+            <a:pPr marL="285750" indent="-285750">
+              <a:buFont typeface="Arial" panose="020B0604020202020204" pitchFamily="34" charset="0"/>
+              <a:buChar char="•"/>
+            </a:pPr>
+            <a:endParaRPr lang="en-US" dirty="0"/>
+          </a:p>
+          <a:p>
+            <a:pPr marL="285750" indent="-285750">
+              <a:buFont typeface="Arial" panose="020B0604020202020204" pitchFamily="34" charset="0"/>
+              <a:buChar char="•"/>
+            </a:pPr>
+            <a:endParaRPr lang="en-US" dirty="0"/>
+          </a:p>
+          <a:p>
+            <a:pPr marL="285750" indent="-285750">
+              <a:buFont typeface="Arial" panose="020B0604020202020204" pitchFamily="34" charset="0"/>
+              <a:buChar char="•"/>
+            </a:pPr>
+            <a:endParaRPr lang="en-US" dirty="0"/>
+          </a:p>
+          <a:p>
+            <a:endParaRPr lang="en-US" dirty="0"/>
+          </a:p>
+          <a:p>
+            <a:r>
+              <a:rPr lang="en-US" dirty="0"/>
+              <a:t>http://www.ipc.org/</a:t>
+            </a:r>
+          </a:p>
+        </p:txBody>
+      </p:sp>
     </p:spTree>
     <p:extLst>
       <p:ext uri="{BB962C8B-B14F-4D97-AF65-F5344CB8AC3E}">
-        <p14:creationId xmlns:p14="http://schemas.microsoft.com/office/powerpoint/2010/main" val="4013064516"/>
+        <p14:creationId xmlns:p14="http://schemas.microsoft.com/office/powerpoint/2010/main" val="1188344632"/>
       </p:ext>
     </p:extLst>
   </p:cSld>
@@ -3066,51 +3209,12 @@
           </a:prstGeom>
         </p:spPr>
       </p:pic>
-      <p:sp>
-        <p:nvSpPr>
-          <p:cNvPr id="3" name="TextBox 2">
-            <a:extLst>
-              <a:ext uri="{FF2B5EF4-FFF2-40B4-BE49-F238E27FC236}">
-                <a16:creationId xmlns:a16="http://schemas.microsoft.com/office/drawing/2014/main" id="{A106EFFE-8F7E-41F8-AFE8-A8F93B20DF6B}"/>
-              </a:ext>
-            </a:extLst>
-          </p:cNvPr>
-          <p:cNvSpPr txBox="1"/>
-          <p:nvPr/>
-        </p:nvSpPr>
-        <p:spPr>
-          <a:xfrm>
-            <a:off x="427839" y="1359017"/>
-            <a:ext cx="5512343" cy="369332"/>
-          </a:xfrm>
-          <a:prstGeom prst="rect">
-            <a:avLst/>
-          </a:prstGeom>
-          <a:noFill/>
-        </p:spPr>
-        <p:txBody>
-          <a:bodyPr wrap="square" rtlCol="0">
-            <a:spAutoFit/>
-          </a:bodyPr>
-          <a:lstStyle/>
-          <a:p>
-            <a:pPr marL="285750" indent="-285750">
-              <a:buFont typeface="Arial" panose="020B0604020202020204" pitchFamily="34" charset="0"/>
-              <a:buChar char="•"/>
-            </a:pPr>
-            <a:r>
-              <a:rPr lang="en-US" dirty="0"/>
-              <a:t>Different signal, but parallel traces</a:t>
-            </a:r>
-          </a:p>
-        </p:txBody>
-      </p:sp>
       <p:pic>
         <p:nvPicPr>
           <p:cNvPr id="5" name="Picture 4">
             <a:extLst>
               <a:ext uri="{FF2B5EF4-FFF2-40B4-BE49-F238E27FC236}">
-                <a16:creationId xmlns:a16="http://schemas.microsoft.com/office/drawing/2014/main" id="{C6F77862-569C-41E5-8BE8-C5D9969F6A9D}"/>
+                <a16:creationId xmlns:a16="http://schemas.microsoft.com/office/drawing/2014/main" id="{FDA51A9D-15CA-4B37-8814-E3AC90C79BC3}"/>
               </a:ext>
             </a:extLst>
           </p:cNvPr>
@@ -3138,7 +3242,7 @@
     </p:spTree>
     <p:extLst>
       <p:ext uri="{BB962C8B-B14F-4D97-AF65-F5344CB8AC3E}">
-        <p14:creationId xmlns:p14="http://schemas.microsoft.com/office/powerpoint/2010/main" val="1832533615"/>
+        <p14:creationId xmlns:p14="http://schemas.microsoft.com/office/powerpoint/2010/main" val="4013064516"/>
       </p:ext>
     </p:extLst>
   </p:cSld>
@@ -3238,7 +3342,7 @@
         <p:spPr>
           <a:xfrm>
             <a:off x="427839" y="1359017"/>
-            <a:ext cx="5512343" cy="1200329"/>
+            <a:ext cx="5512343" cy="369332"/>
           </a:xfrm>
           <a:prstGeom prst="rect">
             <a:avLst/>
@@ -3258,36 +3362,6 @@
             <a:r>
               <a:rPr lang="en-US" dirty="0"/>
               <a:t>Different signal, but parallel traces</a:t>
-            </a:r>
-          </a:p>
-          <a:p>
-            <a:pPr marL="742950" lvl="1" indent="-285750">
-              <a:buFont typeface="Arial" panose="020B0604020202020204" pitchFamily="34" charset="0"/>
-              <a:buChar char="•"/>
-            </a:pPr>
-            <a:r>
-              <a:rPr lang="en-US" dirty="0"/>
-              <a:t>Induces coupling </a:t>
-            </a:r>
-          </a:p>
-          <a:p>
-            <a:pPr marL="1200150" lvl="2" indent="-285750">
-              <a:buFont typeface="Arial" panose="020B0604020202020204" pitchFamily="34" charset="0"/>
-              <a:buChar char="•"/>
-            </a:pPr>
-            <a:r>
-              <a:rPr lang="en-US" dirty="0"/>
-              <a:t>Induces noise</a:t>
-            </a:r>
-          </a:p>
-          <a:p>
-            <a:pPr marL="285750" indent="-285750">
-              <a:buFont typeface="Arial" panose="020B0604020202020204" pitchFamily="34" charset="0"/>
-              <a:buChar char="•"/>
-            </a:pPr>
-            <a:r>
-              <a:rPr lang="en-US" dirty="0"/>
-              <a:t>Adjacent signal layers</a:t>
             </a:r>
           </a:p>
         </p:txBody>
@@ -3297,7 +3371,7 @@
           <p:cNvPr id="5" name="Picture 4">
             <a:extLst>
               <a:ext uri="{FF2B5EF4-FFF2-40B4-BE49-F238E27FC236}">
-                <a16:creationId xmlns:a16="http://schemas.microsoft.com/office/drawing/2014/main" id="{8E44EC81-63A4-4192-9148-E47129960933}"/>
+                <a16:creationId xmlns:a16="http://schemas.microsoft.com/office/drawing/2014/main" id="{C6F77862-569C-41E5-8BE8-C5D9969F6A9D}"/>
               </a:ext>
             </a:extLst>
           </p:cNvPr>
@@ -3325,7 +3399,7 @@
     </p:spTree>
     <p:extLst>
       <p:ext uri="{BB962C8B-B14F-4D97-AF65-F5344CB8AC3E}">
-        <p14:creationId xmlns:p14="http://schemas.microsoft.com/office/powerpoint/2010/main" val="2322791779"/>
+        <p14:creationId xmlns:p14="http://schemas.microsoft.com/office/powerpoint/2010/main" val="1832533615"/>
       </p:ext>
     </p:extLst>
   </p:cSld>
@@ -3425,7 +3499,7 @@
         <p:spPr>
           <a:xfrm>
             <a:off x="427839" y="1359017"/>
-            <a:ext cx="5512343" cy="2308324"/>
+            <a:ext cx="5512343" cy="1200329"/>
           </a:xfrm>
           <a:prstGeom prst="rect">
             <a:avLst/>
@@ -3476,41 +3550,6 @@
               <a:rPr lang="en-US" dirty="0"/>
               <a:t>Adjacent signal layers</a:t>
             </a:r>
-          </a:p>
-          <a:p>
-            <a:pPr marL="742950" lvl="1" indent="-285750">
-              <a:buFont typeface="Arial" panose="020B0604020202020204" pitchFamily="34" charset="0"/>
-              <a:buChar char="•"/>
-            </a:pPr>
-            <a:r>
-              <a:rPr lang="en-US" dirty="0"/>
-              <a:t>No ground plane in between can induce noise</a:t>
-            </a:r>
-          </a:p>
-          <a:p>
-            <a:pPr marL="1200150" lvl="2" indent="-285750">
-              <a:buFont typeface="Arial" panose="020B0604020202020204" pitchFamily="34" charset="0"/>
-              <a:buChar char="•"/>
-            </a:pPr>
-            <a:r>
-              <a:rPr lang="en-US" dirty="0"/>
-              <a:t>Ground bounce (where</a:t>
-            </a:r>
-            <a:r>
-              <a:rPr lang="en-US" i="1" dirty="0"/>
-              <a:t> is </a:t>
-            </a:r>
-            <a:r>
-              <a:rPr lang="en-US" dirty="0"/>
-              <a:t>ground?)</a:t>
-            </a:r>
-          </a:p>
-          <a:p>
-            <a:pPr marL="1200150" lvl="2" indent="-285750">
-              <a:buFont typeface="Arial" panose="020B0604020202020204" pitchFamily="34" charset="0"/>
-              <a:buChar char="•"/>
-            </a:pPr>
-            <a:endParaRPr lang="en-US" dirty="0"/>
           </a:p>
         </p:txBody>
       </p:sp>
@@ -3519,7 +3558,7 @@
           <p:cNvPr id="5" name="Picture 4">
             <a:extLst>
               <a:ext uri="{FF2B5EF4-FFF2-40B4-BE49-F238E27FC236}">
-                <a16:creationId xmlns:a16="http://schemas.microsoft.com/office/drawing/2014/main" id="{DE288DA0-83BC-4C19-B031-90D496613B59}"/>
+                <a16:creationId xmlns:a16="http://schemas.microsoft.com/office/drawing/2014/main" id="{8E44EC81-63A4-4192-9148-E47129960933}"/>
               </a:ext>
             </a:extLst>
           </p:cNvPr>
@@ -3547,7 +3586,7 @@
     </p:spTree>
     <p:extLst>
       <p:ext uri="{BB962C8B-B14F-4D97-AF65-F5344CB8AC3E}">
-        <p14:creationId xmlns:p14="http://schemas.microsoft.com/office/powerpoint/2010/main" val="3001875365"/>
+        <p14:creationId xmlns:p14="http://schemas.microsoft.com/office/powerpoint/2010/main" val="2322791779"/>
       </p:ext>
     </p:extLst>
   </p:cSld>
@@ -3647,7 +3686,7 @@
         <p:spPr>
           <a:xfrm>
             <a:off x="427839" y="1359017"/>
-            <a:ext cx="5512343" cy="3139321"/>
+            <a:ext cx="5512343" cy="2308324"/>
           </a:xfrm>
           <a:prstGeom prst="rect">
             <a:avLst/>
@@ -3725,23 +3764,6 @@
             <a:r>
               <a:rPr lang="en-US" dirty="0"/>
               <a:t>ground?)</a:t>
-            </a:r>
-          </a:p>
-          <a:p>
-            <a:pPr marL="1200150" lvl="2" indent="-285750">
-              <a:buFont typeface="Arial" panose="020B0604020202020204" pitchFamily="34" charset="0"/>
-              <a:buChar char="•"/>
-            </a:pPr>
-            <a:endParaRPr lang="en-US" dirty="0"/>
-          </a:p>
-          <a:p>
-            <a:pPr marL="285750" indent="-285750">
-              <a:buFont typeface="Arial" panose="020B0604020202020204" pitchFamily="34" charset="0"/>
-              <a:buChar char="•"/>
-            </a:pPr>
-            <a:r>
-              <a:rPr lang="en-US" dirty="0"/>
-              <a:t>Bad component placement makes bad trace routing seem like a good idea</a:t>
             </a:r>
           </a:p>
           <a:p>
@@ -3786,7 +3808,7 @@
     </p:spTree>
     <p:extLst>
       <p:ext uri="{BB962C8B-B14F-4D97-AF65-F5344CB8AC3E}">
-        <p14:creationId xmlns:p14="http://schemas.microsoft.com/office/powerpoint/2010/main" val="2140372182"/>
+        <p14:creationId xmlns:p14="http://schemas.microsoft.com/office/powerpoint/2010/main" val="3001875365"/>
       </p:ext>
     </p:extLst>
   </p:cSld>
@@ -3818,7 +3840,7 @@
           <p:cNvPr id="2" name="Title 1">
             <a:extLst>
               <a:ext uri="{FF2B5EF4-FFF2-40B4-BE49-F238E27FC236}">
-                <a16:creationId xmlns:a16="http://schemas.microsoft.com/office/drawing/2014/main" id="{2EB636C0-C9B6-4F0C-84E7-739BA7D02DC0}"/>
+                <a16:creationId xmlns:a16="http://schemas.microsoft.com/office/drawing/2014/main" id="{F6B9A251-32BF-4C56-B69F-D16B92D998E2}"/>
               </a:ext>
             </a:extLst>
           </p:cNvPr>
@@ -3836,42 +3858,17 @@
           <a:p>
             <a:r>
               <a:rPr lang="en-US" dirty="0"/>
-              <a:t>board4</a:t>
-            </a:r>
-          </a:p>
-        </p:txBody>
-      </p:sp>
-      <p:sp>
-        <p:nvSpPr>
-          <p:cNvPr id="3" name="Content Placeholder 2">
+              <a:t>board3</a:t>
+            </a:r>
+          </a:p>
+        </p:txBody>
+      </p:sp>
+      <p:pic>
+        <p:nvPicPr>
+          <p:cNvPr id="4" name="Picture 3">
             <a:extLst>
               <a:ext uri="{FF2B5EF4-FFF2-40B4-BE49-F238E27FC236}">
-                <a16:creationId xmlns:a16="http://schemas.microsoft.com/office/drawing/2014/main" id="{61C0E8ED-C031-4FC8-8987-ED61B4387C8F}"/>
-              </a:ext>
-            </a:extLst>
-          </p:cNvPr>
-          <p:cNvSpPr>
-            <a:spLocks noGrp="1"/>
-          </p:cNvSpPr>
-          <p:nvPr>
-            <p:ph sz="quarter" idx="10"/>
-          </p:nvPr>
-        </p:nvSpPr>
-        <p:spPr/>
-        <p:txBody>
-          <a:bodyPr/>
-          <a:lstStyle/>
-          <a:p>
-            <a:endParaRPr lang="en-US"/>
-          </a:p>
-        </p:txBody>
-      </p:sp>
-      <p:pic>
-        <p:nvPicPr>
-          <p:cNvPr id="5" name="Picture 4">
-            <a:extLst>
-              <a:ext uri="{FF2B5EF4-FFF2-40B4-BE49-F238E27FC236}">
-                <a16:creationId xmlns:a16="http://schemas.microsoft.com/office/drawing/2014/main" id="{E57E40C9-7D7E-480C-8960-694CCD2EF53C}"/>
+                <a16:creationId xmlns:a16="http://schemas.microsoft.com/office/drawing/2014/main" id="{D60CB3ED-C7CA-4FAB-A862-581E99524343}"/>
               </a:ext>
             </a:extLst>
           </p:cNvPr>
@@ -3887,9 +3884,160 @@
           </a:stretch>
         </p:blipFill>
         <p:spPr>
-          <a:xfrm rot="5400000">
-            <a:off x="6331363" y="985928"/>
-            <a:ext cx="6858002" cy="4886145"/>
+          <a:xfrm>
+            <a:off x="5940182" y="0"/>
+            <a:ext cx="6251818" cy="6858000"/>
+          </a:xfrm>
+          <a:prstGeom prst="rect">
+            <a:avLst/>
+          </a:prstGeom>
+        </p:spPr>
+      </p:pic>
+      <p:sp>
+        <p:nvSpPr>
+          <p:cNvPr id="3" name="TextBox 2">
+            <a:extLst>
+              <a:ext uri="{FF2B5EF4-FFF2-40B4-BE49-F238E27FC236}">
+                <a16:creationId xmlns:a16="http://schemas.microsoft.com/office/drawing/2014/main" id="{A106EFFE-8F7E-41F8-AFE8-A8F93B20DF6B}"/>
+              </a:ext>
+            </a:extLst>
+          </p:cNvPr>
+          <p:cNvSpPr txBox="1"/>
+          <p:nvPr/>
+        </p:nvSpPr>
+        <p:spPr>
+          <a:xfrm>
+            <a:off x="427839" y="1359017"/>
+            <a:ext cx="5512343" cy="3139321"/>
+          </a:xfrm>
+          <a:prstGeom prst="rect">
+            <a:avLst/>
+          </a:prstGeom>
+          <a:noFill/>
+        </p:spPr>
+        <p:txBody>
+          <a:bodyPr wrap="square" rtlCol="0">
+            <a:spAutoFit/>
+          </a:bodyPr>
+          <a:lstStyle/>
+          <a:p>
+            <a:pPr marL="285750" indent="-285750">
+              <a:buFont typeface="Arial" panose="020B0604020202020204" pitchFamily="34" charset="0"/>
+              <a:buChar char="•"/>
+            </a:pPr>
+            <a:r>
+              <a:rPr lang="en-US" dirty="0"/>
+              <a:t>Different signal, but parallel traces</a:t>
+            </a:r>
+          </a:p>
+          <a:p>
+            <a:pPr marL="742950" lvl="1" indent="-285750">
+              <a:buFont typeface="Arial" panose="020B0604020202020204" pitchFamily="34" charset="0"/>
+              <a:buChar char="•"/>
+            </a:pPr>
+            <a:r>
+              <a:rPr lang="en-US" dirty="0"/>
+              <a:t>Induces coupling </a:t>
+            </a:r>
+          </a:p>
+          <a:p>
+            <a:pPr marL="1200150" lvl="2" indent="-285750">
+              <a:buFont typeface="Arial" panose="020B0604020202020204" pitchFamily="34" charset="0"/>
+              <a:buChar char="•"/>
+            </a:pPr>
+            <a:r>
+              <a:rPr lang="en-US" dirty="0"/>
+              <a:t>Induces noise</a:t>
+            </a:r>
+          </a:p>
+          <a:p>
+            <a:pPr marL="285750" indent="-285750">
+              <a:buFont typeface="Arial" panose="020B0604020202020204" pitchFamily="34" charset="0"/>
+              <a:buChar char="•"/>
+            </a:pPr>
+            <a:r>
+              <a:rPr lang="en-US" dirty="0"/>
+              <a:t>Adjacent signal layers</a:t>
+            </a:r>
+          </a:p>
+          <a:p>
+            <a:pPr marL="742950" lvl="1" indent="-285750">
+              <a:buFont typeface="Arial" panose="020B0604020202020204" pitchFamily="34" charset="0"/>
+              <a:buChar char="•"/>
+            </a:pPr>
+            <a:r>
+              <a:rPr lang="en-US" dirty="0"/>
+              <a:t>No ground plane in between can induce noise</a:t>
+            </a:r>
+          </a:p>
+          <a:p>
+            <a:pPr marL="1200150" lvl="2" indent="-285750">
+              <a:buFont typeface="Arial" panose="020B0604020202020204" pitchFamily="34" charset="0"/>
+              <a:buChar char="•"/>
+            </a:pPr>
+            <a:r>
+              <a:rPr lang="en-US" dirty="0"/>
+              <a:t>Ground bounce (where</a:t>
+            </a:r>
+            <a:r>
+              <a:rPr lang="en-US" i="1" dirty="0"/>
+              <a:t> is </a:t>
+            </a:r>
+            <a:r>
+              <a:rPr lang="en-US" dirty="0"/>
+              <a:t>ground?)</a:t>
+            </a:r>
+          </a:p>
+          <a:p>
+            <a:pPr marL="1200150" lvl="2" indent="-285750">
+              <a:buFont typeface="Arial" panose="020B0604020202020204" pitchFamily="34" charset="0"/>
+              <a:buChar char="•"/>
+            </a:pPr>
+            <a:endParaRPr lang="en-US" dirty="0"/>
+          </a:p>
+          <a:p>
+            <a:pPr marL="285750" indent="-285750">
+              <a:buFont typeface="Arial" panose="020B0604020202020204" pitchFamily="34" charset="0"/>
+              <a:buChar char="•"/>
+            </a:pPr>
+            <a:r>
+              <a:rPr lang="en-US" dirty="0"/>
+              <a:t>Bad component placement makes bad trace routing seem like a good idea</a:t>
+            </a:r>
+          </a:p>
+          <a:p>
+            <a:pPr marL="1200150" lvl="2" indent="-285750">
+              <a:buFont typeface="Arial" panose="020B0604020202020204" pitchFamily="34" charset="0"/>
+              <a:buChar char="•"/>
+            </a:pPr>
+            <a:endParaRPr lang="en-US" dirty="0"/>
+          </a:p>
+        </p:txBody>
+      </p:sp>
+      <p:pic>
+        <p:nvPicPr>
+          <p:cNvPr id="5" name="Picture 4">
+            <a:extLst>
+              <a:ext uri="{FF2B5EF4-FFF2-40B4-BE49-F238E27FC236}">
+                <a16:creationId xmlns:a16="http://schemas.microsoft.com/office/drawing/2014/main" id="{DE288DA0-83BC-4C19-B031-90D496613B59}"/>
+              </a:ext>
+            </a:extLst>
+          </p:cNvPr>
+          <p:cNvPicPr>
+            <a:picLocks noChangeAspect="1"/>
+          </p:cNvPicPr>
+          <p:nvPr/>
+        </p:nvPicPr>
+        <p:blipFill>
+          <a:blip r:embed="rId3"/>
+          <a:stretch>
+            <a:fillRect/>
+          </a:stretch>
+        </p:blipFill>
+        <p:spPr>
+          <a:xfrm>
+            <a:off x="10880912" y="0"/>
+            <a:ext cx="1311088" cy="3429000"/>
           </a:xfrm>
           <a:prstGeom prst="rect">
             <a:avLst/>
@@ -3899,7 +4047,7 @@
     </p:spTree>
     <p:extLst>
       <p:ext uri="{BB962C8B-B14F-4D97-AF65-F5344CB8AC3E}">
-        <p14:creationId xmlns:p14="http://schemas.microsoft.com/office/powerpoint/2010/main" val="2796932668"/>
+        <p14:creationId xmlns:p14="http://schemas.microsoft.com/office/powerpoint/2010/main" val="2140372182"/>
       </p:ext>
     </p:extLst>
   </p:cSld>
@@ -3956,57 +4104,35 @@
       </p:sp>
       <p:sp>
         <p:nvSpPr>
-          <p:cNvPr id="7" name="TextBox 6">
+          <p:cNvPr id="3" name="Content Placeholder 2">
             <a:extLst>
               <a:ext uri="{FF2B5EF4-FFF2-40B4-BE49-F238E27FC236}">
-                <a16:creationId xmlns:a16="http://schemas.microsoft.com/office/drawing/2014/main" id="{97FA7E89-72D5-4024-AD12-A7D10B65BAD0}"/>
+                <a16:creationId xmlns:a16="http://schemas.microsoft.com/office/drawing/2014/main" id="{61C0E8ED-C031-4FC8-8987-ED61B4387C8F}"/>
               </a:ext>
             </a:extLst>
           </p:cNvPr>
-          <p:cNvSpPr txBox="1"/>
-          <p:nvPr/>
-        </p:nvSpPr>
-        <p:spPr>
-          <a:xfrm>
-            <a:off x="427839" y="1359017"/>
-            <a:ext cx="5512343" cy="369332"/>
-          </a:xfrm>
-          <a:prstGeom prst="rect">
-            <a:avLst/>
-          </a:prstGeom>
-          <a:noFill/>
-        </p:spPr>
-        <p:txBody>
-          <a:bodyPr wrap="square" rtlCol="0">
-            <a:spAutoFit/>
-          </a:bodyPr>
+          <p:cNvSpPr>
+            <a:spLocks noGrp="1"/>
+          </p:cNvSpPr>
+          <p:nvPr>
+            <p:ph sz="quarter" idx="10"/>
+          </p:nvPr>
+        </p:nvSpPr>
+        <p:spPr/>
+        <p:txBody>
+          <a:bodyPr/>
           <a:lstStyle/>
           <a:p>
-            <a:pPr marL="285750" indent="-285750">
-              <a:buFont typeface="Arial" panose="020B0604020202020204" pitchFamily="34" charset="0"/>
-              <a:buChar char="•"/>
-            </a:pPr>
-            <a:r>
-              <a:rPr lang="en-US" dirty="0"/>
-              <a:t>Mismatched lengths for a </a:t>
-            </a:r>
-            <a:r>
-              <a:rPr lang="en-US" i="1" dirty="0"/>
-              <a:t>critical </a:t>
-            </a:r>
-            <a:r>
-              <a:rPr lang="en-US" dirty="0"/>
-              <a:t>signal</a:t>
-            </a:r>
+            <a:endParaRPr lang="en-US"/>
           </a:p>
         </p:txBody>
       </p:sp>
       <p:pic>
         <p:nvPicPr>
-          <p:cNvPr id="8" name="Picture 7">
+          <p:cNvPr id="5" name="Picture 4">
             <a:extLst>
               <a:ext uri="{FF2B5EF4-FFF2-40B4-BE49-F238E27FC236}">
-                <a16:creationId xmlns:a16="http://schemas.microsoft.com/office/drawing/2014/main" id="{B0EBE75E-7AE7-4FD3-BB2D-82FC5462518A}"/>
+                <a16:creationId xmlns:a16="http://schemas.microsoft.com/office/drawing/2014/main" id="{E57E40C9-7D7E-480C-8960-694CCD2EF53C}"/>
               </a:ext>
             </a:extLst>
           </p:cNvPr>
@@ -4034,7 +4160,7 @@
     </p:spTree>
     <p:extLst>
       <p:ext uri="{BB962C8B-B14F-4D97-AF65-F5344CB8AC3E}">
-        <p14:creationId xmlns:p14="http://schemas.microsoft.com/office/powerpoint/2010/main" val="3147695140"/>
+        <p14:creationId xmlns:p14="http://schemas.microsoft.com/office/powerpoint/2010/main" val="2796932668"/>
       </p:ext>
     </p:extLst>
   </p:cSld>
@@ -4192,7 +4318,7 @@
         <p:spPr>
           <a:xfrm>
             <a:off x="427839" y="1359017"/>
-            <a:ext cx="5512343" cy="1200329"/>
+            <a:ext cx="5512343" cy="369332"/>
           </a:xfrm>
           <a:prstGeom prst="rect">
             <a:avLst/>
@@ -4222,31 +4348,14 @@
               <a:t>signal</a:t>
             </a:r>
           </a:p>
-          <a:p>
-            <a:pPr marL="742950" lvl="1" indent="-285750">
-              <a:buFont typeface="Arial" panose="020B0604020202020204" pitchFamily="34" charset="0"/>
-              <a:buChar char="•"/>
-            </a:pPr>
-            <a:r>
-              <a:rPr lang="en-US" dirty="0"/>
-              <a:t>Different lengths means different arrival times</a:t>
-            </a:r>
-          </a:p>
-          <a:p>
-            <a:pPr marL="285750" indent="-285750">
-              <a:buFont typeface="Arial" panose="020B0604020202020204" pitchFamily="34" charset="0"/>
-              <a:buChar char="•"/>
-            </a:pPr>
-            <a:endParaRPr lang="en-US" dirty="0"/>
-          </a:p>
         </p:txBody>
       </p:sp>
       <p:pic>
         <p:nvPicPr>
-          <p:cNvPr id="5" name="Picture 4">
+          <p:cNvPr id="8" name="Picture 7">
             <a:extLst>
               <a:ext uri="{FF2B5EF4-FFF2-40B4-BE49-F238E27FC236}">
-                <a16:creationId xmlns:a16="http://schemas.microsoft.com/office/drawing/2014/main" id="{C59084AB-CAF8-4638-A836-E799CE7596DF}"/>
+                <a16:creationId xmlns:a16="http://schemas.microsoft.com/office/drawing/2014/main" id="{B0EBE75E-7AE7-4FD3-BB2D-82FC5462518A}"/>
               </a:ext>
             </a:extLst>
           </p:cNvPr>
@@ -4274,7 +4383,7 @@
     </p:spTree>
     <p:extLst>
       <p:ext uri="{BB962C8B-B14F-4D97-AF65-F5344CB8AC3E}">
-        <p14:creationId xmlns:p14="http://schemas.microsoft.com/office/powerpoint/2010/main" val="3874000543"/>
+        <p14:creationId xmlns:p14="http://schemas.microsoft.com/office/powerpoint/2010/main" val="3147695140"/>
       </p:ext>
     </p:extLst>
   </p:cSld>
@@ -4344,7 +4453,7 @@
         <p:spPr>
           <a:xfrm>
             <a:off x="427839" y="1359017"/>
-            <a:ext cx="5512343" cy="3416320"/>
+            <a:ext cx="5512343" cy="1200329"/>
           </a:xfrm>
           <a:prstGeom prst="rect">
             <a:avLst/>
@@ -4389,86 +4498,7 @@
               <a:buFont typeface="Arial" panose="020B0604020202020204" pitchFamily="34" charset="0"/>
               <a:buChar char="•"/>
             </a:pPr>
-            <a:r>
-              <a:rPr lang="en-US" dirty="0"/>
-              <a:t>Outer trace = 1.6105 in</a:t>
-            </a:r>
-          </a:p>
-          <a:p>
-            <a:pPr marL="285750" indent="-285750">
-              <a:buFont typeface="Arial" panose="020B0604020202020204" pitchFamily="34" charset="0"/>
-              <a:buChar char="•"/>
-            </a:pPr>
-            <a:r>
-              <a:rPr lang="en-US" dirty="0"/>
-              <a:t>Inner trace = 1.2625 in</a:t>
-            </a:r>
-          </a:p>
-          <a:p>
-            <a:pPr marL="285750" indent="-285750">
-              <a:buFont typeface="Arial" panose="020B0604020202020204" pitchFamily="34" charset="0"/>
-              <a:buChar char="•"/>
-            </a:pPr>
-            <a:r>
-              <a:rPr lang="en-US" dirty="0"/>
-              <a:t>Difference = 0.348 in</a:t>
-            </a:r>
-          </a:p>
-          <a:p>
-            <a:pPr marL="285750" indent="-285750">
-              <a:buFont typeface="Arial" panose="020B0604020202020204" pitchFamily="34" charset="0"/>
-              <a:buChar char="•"/>
-            </a:pPr>
-            <a:r>
-              <a:rPr lang="en-US" dirty="0"/>
-              <a:t>Dielectric Constant FR-4 dielectric ~= 4</a:t>
-            </a:r>
-          </a:p>
-          <a:p>
-            <a:pPr marL="285750" indent="-285750">
-              <a:buFont typeface="Arial" panose="020B0604020202020204" pitchFamily="34" charset="0"/>
-              <a:buChar char="•"/>
-            </a:pPr>
-            <a:r>
-              <a:rPr lang="en-US" dirty="0"/>
-              <a:t>Speed of EM signal in a vacuum ~= 11.8in/ns</a:t>
-            </a:r>
-          </a:p>
-          <a:p>
-            <a:pPr marL="285750" indent="-285750">
-              <a:buFont typeface="Arial" panose="020B0604020202020204" pitchFamily="34" charset="0"/>
-              <a:buChar char="•"/>
-            </a:pPr>
             <a:endParaRPr lang="en-US" dirty="0"/>
-          </a:p>
-          <a:p>
-            <a:pPr marL="285750" indent="-285750">
-              <a:buFont typeface="Arial" panose="020B0604020202020204" pitchFamily="34" charset="0"/>
-              <a:buChar char="•"/>
-            </a:pPr>
-            <a:r>
-              <a:rPr lang="en-US" b="1" i="1" dirty="0"/>
-              <a:t>Very rough estimate:</a:t>
-            </a:r>
-            <a:endParaRPr lang="en-US" dirty="0"/>
-          </a:p>
-          <a:p>
-            <a:pPr marL="742950" lvl="1" indent="-285750">
-              <a:buFont typeface="Arial" panose="020B0604020202020204" pitchFamily="34" charset="0"/>
-              <a:buChar char="•"/>
-            </a:pPr>
-            <a:r>
-              <a:rPr lang="en-US" b="1" i="1" dirty="0"/>
-              <a:t>Td = 0.348 in / (11.8 in/ns / sqrt(</a:t>
-            </a:r>
-            <a:r>
-              <a:rPr lang="en-US" b="1" i="1" dirty="0" err="1"/>
-              <a:t>Ereff</a:t>
-            </a:r>
-            <a:r>
-              <a:rPr lang="en-US" b="1" i="1" dirty="0"/>
-              <a:t>)) =50ps delay in propagation</a:t>
-            </a:r>
           </a:p>
         </p:txBody>
       </p:sp>
@@ -4477,7 +4507,7 @@
           <p:cNvPr id="5" name="Picture 4">
             <a:extLst>
               <a:ext uri="{FF2B5EF4-FFF2-40B4-BE49-F238E27FC236}">
-                <a16:creationId xmlns:a16="http://schemas.microsoft.com/office/drawing/2014/main" id="{1F19C1C6-BE14-46CB-B6AA-D77437BE0D80}"/>
+                <a16:creationId xmlns:a16="http://schemas.microsoft.com/office/drawing/2014/main" id="{C59084AB-CAF8-4638-A836-E799CE7596DF}"/>
               </a:ext>
             </a:extLst>
           </p:cNvPr>
@@ -4502,44 +4532,10 @@
           </a:prstGeom>
         </p:spPr>
       </p:pic>
-      <p:sp>
-        <p:nvSpPr>
-          <p:cNvPr id="3" name="Rectangle 2">
-            <a:extLst>
-              <a:ext uri="{FF2B5EF4-FFF2-40B4-BE49-F238E27FC236}">
-                <a16:creationId xmlns:a16="http://schemas.microsoft.com/office/drawing/2014/main" id="{046E6607-B8A1-4589-AE8D-3D0D5F727A80}"/>
-              </a:ext>
-            </a:extLst>
-          </p:cNvPr>
-          <p:cNvSpPr/>
-          <p:nvPr/>
-        </p:nvSpPr>
-        <p:spPr>
-          <a:xfrm>
-            <a:off x="-1" y="6217920"/>
-            <a:ext cx="7317291" cy="640080"/>
-          </a:xfrm>
-          <a:prstGeom prst="rect">
-            <a:avLst/>
-          </a:prstGeom>
-        </p:spPr>
-        <p:txBody>
-          <a:bodyPr wrap="square">
-            <a:spAutoFit/>
-          </a:bodyPr>
-          <a:lstStyle/>
-          <a:p>
-            <a:r>
-              <a:rPr lang="en-US" dirty="0"/>
-              <a:t>https://blog.zuken.com/how-to-calculate-trace-length-from-time-delay-value-for-high-speed-signals/</a:t>
-            </a:r>
-          </a:p>
-        </p:txBody>
-      </p:sp>
     </p:spTree>
     <p:extLst>
       <p:ext uri="{BB962C8B-B14F-4D97-AF65-F5344CB8AC3E}">
-        <p14:creationId xmlns:p14="http://schemas.microsoft.com/office/powerpoint/2010/main" val="174423943"/>
+        <p14:creationId xmlns:p14="http://schemas.microsoft.com/office/powerpoint/2010/main" val="3874000543"/>
       </p:ext>
     </p:extLst>
   </p:cSld>
@@ -4609,7 +4605,7 @@
         <p:spPr>
           <a:xfrm>
             <a:off x="427839" y="1359017"/>
-            <a:ext cx="5512343" cy="3970318"/>
+            <a:ext cx="5512343" cy="3416320"/>
           </a:xfrm>
           <a:prstGeom prst="rect">
             <a:avLst/>
@@ -4733,16 +4729,6 @@
             <a:r>
               <a:rPr lang="en-US" b="1" i="1" dirty="0"/>
               <a:t>)) =50ps delay in propagation</a:t>
-            </a:r>
-          </a:p>
-          <a:p>
-            <a:pPr marL="742950" lvl="1" indent="-285750">
-              <a:buFont typeface="Arial" panose="020B0604020202020204" pitchFamily="34" charset="0"/>
-              <a:buChar char="•"/>
-            </a:pPr>
-            <a:r>
-              <a:rPr lang="en-US" b="1" i="1" dirty="0"/>
-              <a:t>Rise times for modern digital signals are faster than this!</a:t>
             </a:r>
           </a:p>
         </p:txBody>
@@ -4814,7 +4800,667 @@
     </p:spTree>
     <p:extLst>
       <p:ext uri="{BB962C8B-B14F-4D97-AF65-F5344CB8AC3E}">
+        <p14:creationId xmlns:p14="http://schemas.microsoft.com/office/powerpoint/2010/main" val="174423943"/>
+      </p:ext>
+    </p:extLst>
+  </p:cSld>
+  <p:clrMapOvr>
+    <a:masterClrMapping/>
+  </p:clrMapOvr>
+</p:sld>
+</file>
+
+<file path=ppt/slides/slide23.xml><?xml version="1.0" encoding="utf-8"?>
+<p:sld xmlns:a="http://schemas.openxmlformats.org/drawingml/2006/main" xmlns:r="http://schemas.openxmlformats.org/officeDocument/2006/relationships" xmlns:p="http://schemas.openxmlformats.org/presentationml/2006/main">
+  <p:cSld>
+    <p:spTree>
+      <p:nvGrpSpPr>
+        <p:cNvPr id="1" name=""/>
+        <p:cNvGrpSpPr/>
+        <p:nvPr/>
+      </p:nvGrpSpPr>
+      <p:grpSpPr>
+        <a:xfrm>
+          <a:off x="0" y="0"/>
+          <a:ext cx="0" cy="0"/>
+          <a:chOff x="0" y="0"/>
+          <a:chExt cx="0" cy="0"/>
+        </a:xfrm>
+      </p:grpSpPr>
+      <p:sp>
+        <p:nvSpPr>
+          <p:cNvPr id="2" name="Title 1">
+            <a:extLst>
+              <a:ext uri="{FF2B5EF4-FFF2-40B4-BE49-F238E27FC236}">
+                <a16:creationId xmlns:a16="http://schemas.microsoft.com/office/drawing/2014/main" id="{2EB636C0-C9B6-4F0C-84E7-739BA7D02DC0}"/>
+              </a:ext>
+            </a:extLst>
+          </p:cNvPr>
+          <p:cNvSpPr>
+            <a:spLocks noGrp="1"/>
+          </p:cNvSpPr>
+          <p:nvPr>
+            <p:ph type="title"/>
+          </p:nvPr>
+        </p:nvSpPr>
+        <p:spPr/>
+        <p:txBody>
+          <a:bodyPr/>
+          <a:lstStyle/>
+          <a:p>
+            <a:r>
+              <a:rPr lang="en-US" dirty="0"/>
+              <a:t>board4</a:t>
+            </a:r>
+          </a:p>
+        </p:txBody>
+      </p:sp>
+      <p:sp>
+        <p:nvSpPr>
+          <p:cNvPr id="7" name="TextBox 6">
+            <a:extLst>
+              <a:ext uri="{FF2B5EF4-FFF2-40B4-BE49-F238E27FC236}">
+                <a16:creationId xmlns:a16="http://schemas.microsoft.com/office/drawing/2014/main" id="{97FA7E89-72D5-4024-AD12-A7D10B65BAD0}"/>
+              </a:ext>
+            </a:extLst>
+          </p:cNvPr>
+          <p:cNvSpPr txBox="1"/>
+          <p:nvPr/>
+        </p:nvSpPr>
+        <p:spPr>
+          <a:xfrm>
+            <a:off x="427839" y="1359017"/>
+            <a:ext cx="5512343" cy="3970318"/>
+          </a:xfrm>
+          <a:prstGeom prst="rect">
+            <a:avLst/>
+          </a:prstGeom>
+          <a:noFill/>
+        </p:spPr>
+        <p:txBody>
+          <a:bodyPr wrap="square" rtlCol="0">
+            <a:spAutoFit/>
+          </a:bodyPr>
+          <a:lstStyle/>
+          <a:p>
+            <a:pPr marL="285750" indent="-285750">
+              <a:buFont typeface="Arial" panose="020B0604020202020204" pitchFamily="34" charset="0"/>
+              <a:buChar char="•"/>
+            </a:pPr>
+            <a:r>
+              <a:rPr lang="en-US" dirty="0"/>
+              <a:t>Mismatched lengths for a </a:t>
+            </a:r>
+            <a:r>
+              <a:rPr lang="en-US" i="1" dirty="0"/>
+              <a:t>critical </a:t>
+            </a:r>
+            <a:r>
+              <a:rPr lang="en-US" dirty="0"/>
+              <a:t>signal</a:t>
+            </a:r>
+          </a:p>
+          <a:p>
+            <a:pPr marL="742950" lvl="1" indent="-285750">
+              <a:buFont typeface="Arial" panose="020B0604020202020204" pitchFamily="34" charset="0"/>
+              <a:buChar char="•"/>
+            </a:pPr>
+            <a:r>
+              <a:rPr lang="en-US" dirty="0"/>
+              <a:t>Different lengths means different arrival times</a:t>
+            </a:r>
+          </a:p>
+          <a:p>
+            <a:pPr marL="285750" indent="-285750">
+              <a:buFont typeface="Arial" panose="020B0604020202020204" pitchFamily="34" charset="0"/>
+              <a:buChar char="•"/>
+            </a:pPr>
+            <a:r>
+              <a:rPr lang="en-US" dirty="0"/>
+              <a:t>Outer trace = 1.6105 in</a:t>
+            </a:r>
+          </a:p>
+          <a:p>
+            <a:pPr marL="285750" indent="-285750">
+              <a:buFont typeface="Arial" panose="020B0604020202020204" pitchFamily="34" charset="0"/>
+              <a:buChar char="•"/>
+            </a:pPr>
+            <a:r>
+              <a:rPr lang="en-US" dirty="0"/>
+              <a:t>Inner trace = 1.2625 in</a:t>
+            </a:r>
+          </a:p>
+          <a:p>
+            <a:pPr marL="285750" indent="-285750">
+              <a:buFont typeface="Arial" panose="020B0604020202020204" pitchFamily="34" charset="0"/>
+              <a:buChar char="•"/>
+            </a:pPr>
+            <a:r>
+              <a:rPr lang="en-US" dirty="0"/>
+              <a:t>Difference = 0.348 in</a:t>
+            </a:r>
+          </a:p>
+          <a:p>
+            <a:pPr marL="285750" indent="-285750">
+              <a:buFont typeface="Arial" panose="020B0604020202020204" pitchFamily="34" charset="0"/>
+              <a:buChar char="•"/>
+            </a:pPr>
+            <a:r>
+              <a:rPr lang="en-US" dirty="0"/>
+              <a:t>Dielectric Constant FR-4 dielectric ~= 4</a:t>
+            </a:r>
+          </a:p>
+          <a:p>
+            <a:pPr marL="285750" indent="-285750">
+              <a:buFont typeface="Arial" panose="020B0604020202020204" pitchFamily="34" charset="0"/>
+              <a:buChar char="•"/>
+            </a:pPr>
+            <a:r>
+              <a:rPr lang="en-US" dirty="0"/>
+              <a:t>Speed of EM signal in a vacuum ~= 11.8in/ns</a:t>
+            </a:r>
+          </a:p>
+          <a:p>
+            <a:pPr marL="285750" indent="-285750">
+              <a:buFont typeface="Arial" panose="020B0604020202020204" pitchFamily="34" charset="0"/>
+              <a:buChar char="•"/>
+            </a:pPr>
+            <a:endParaRPr lang="en-US" dirty="0"/>
+          </a:p>
+          <a:p>
+            <a:pPr marL="285750" indent="-285750">
+              <a:buFont typeface="Arial" panose="020B0604020202020204" pitchFamily="34" charset="0"/>
+              <a:buChar char="•"/>
+            </a:pPr>
+            <a:r>
+              <a:rPr lang="en-US" b="1" i="1" dirty="0"/>
+              <a:t>Very rough estimate:</a:t>
+            </a:r>
+            <a:endParaRPr lang="en-US" dirty="0"/>
+          </a:p>
+          <a:p>
+            <a:pPr marL="742950" lvl="1" indent="-285750">
+              <a:buFont typeface="Arial" panose="020B0604020202020204" pitchFamily="34" charset="0"/>
+              <a:buChar char="•"/>
+            </a:pPr>
+            <a:r>
+              <a:rPr lang="en-US" b="1" i="1" dirty="0"/>
+              <a:t>Td = 0.348 in / (11.8 in/ns / sqrt(</a:t>
+            </a:r>
+            <a:r>
+              <a:rPr lang="en-US" b="1" i="1" dirty="0" err="1"/>
+              <a:t>Ereff</a:t>
+            </a:r>
+            <a:r>
+              <a:rPr lang="en-US" b="1" i="1" dirty="0"/>
+              <a:t>)) =50ps delay in propagation</a:t>
+            </a:r>
+          </a:p>
+          <a:p>
+            <a:pPr marL="742950" lvl="1" indent="-285750">
+              <a:buFont typeface="Arial" panose="020B0604020202020204" pitchFamily="34" charset="0"/>
+              <a:buChar char="•"/>
+            </a:pPr>
+            <a:r>
+              <a:rPr lang="en-US" b="1" i="1" dirty="0"/>
+              <a:t>Rise times for modern digital signals are faster than this!</a:t>
+            </a:r>
+          </a:p>
+        </p:txBody>
+      </p:sp>
+      <p:pic>
+        <p:nvPicPr>
+          <p:cNvPr id="5" name="Picture 4">
+            <a:extLst>
+              <a:ext uri="{FF2B5EF4-FFF2-40B4-BE49-F238E27FC236}">
+                <a16:creationId xmlns:a16="http://schemas.microsoft.com/office/drawing/2014/main" id="{1F19C1C6-BE14-46CB-B6AA-D77437BE0D80}"/>
+              </a:ext>
+            </a:extLst>
+          </p:cNvPr>
+          <p:cNvPicPr>
+            <a:picLocks noChangeAspect="1"/>
+          </p:cNvPicPr>
+          <p:nvPr/>
+        </p:nvPicPr>
+        <p:blipFill>
+          <a:blip r:embed="rId2"/>
+          <a:stretch>
+            <a:fillRect/>
+          </a:stretch>
+        </p:blipFill>
+        <p:spPr>
+          <a:xfrm rot="5400000">
+            <a:off x="6331363" y="985928"/>
+            <a:ext cx="6858002" cy="4886145"/>
+          </a:xfrm>
+          <a:prstGeom prst="rect">
+            <a:avLst/>
+          </a:prstGeom>
+        </p:spPr>
+      </p:pic>
+      <p:sp>
+        <p:nvSpPr>
+          <p:cNvPr id="3" name="Rectangle 2">
+            <a:extLst>
+              <a:ext uri="{FF2B5EF4-FFF2-40B4-BE49-F238E27FC236}">
+                <a16:creationId xmlns:a16="http://schemas.microsoft.com/office/drawing/2014/main" id="{046E6607-B8A1-4589-AE8D-3D0D5F727A80}"/>
+              </a:ext>
+            </a:extLst>
+          </p:cNvPr>
+          <p:cNvSpPr/>
+          <p:nvPr/>
+        </p:nvSpPr>
+        <p:spPr>
+          <a:xfrm>
+            <a:off x="-1" y="6217920"/>
+            <a:ext cx="7317291" cy="640080"/>
+          </a:xfrm>
+          <a:prstGeom prst="rect">
+            <a:avLst/>
+          </a:prstGeom>
+        </p:spPr>
+        <p:txBody>
+          <a:bodyPr wrap="square">
+            <a:spAutoFit/>
+          </a:bodyPr>
+          <a:lstStyle/>
+          <a:p>
+            <a:r>
+              <a:rPr lang="en-US" dirty="0"/>
+              <a:t>https://blog.zuken.com/how-to-calculate-trace-length-from-time-delay-value-for-high-speed-signals/</a:t>
+            </a:r>
+          </a:p>
+        </p:txBody>
+      </p:sp>
+    </p:spTree>
+    <p:extLst>
+      <p:ext uri="{BB962C8B-B14F-4D97-AF65-F5344CB8AC3E}">
         <p14:creationId xmlns:p14="http://schemas.microsoft.com/office/powerpoint/2010/main" val="3108934011"/>
+      </p:ext>
+    </p:extLst>
+  </p:cSld>
+  <p:clrMapOvr>
+    <a:masterClrMapping/>
+  </p:clrMapOvr>
+</p:sld>
+</file>
+
+<file path=ppt/slides/slide24.xml><?xml version="1.0" encoding="utf-8"?>
+<p:sld xmlns:a="http://schemas.openxmlformats.org/drawingml/2006/main" xmlns:r="http://schemas.openxmlformats.org/officeDocument/2006/relationships" xmlns:p="http://schemas.openxmlformats.org/presentationml/2006/main">
+  <p:cSld>
+    <p:spTree>
+      <p:nvGrpSpPr>
+        <p:cNvPr id="1" name=""/>
+        <p:cNvGrpSpPr/>
+        <p:nvPr/>
+      </p:nvGrpSpPr>
+      <p:grpSpPr>
+        <a:xfrm>
+          <a:off x="0" y="0"/>
+          <a:ext cx="0" cy="0"/>
+          <a:chOff x="0" y="0"/>
+          <a:chExt cx="0" cy="0"/>
+        </a:xfrm>
+      </p:grpSpPr>
+      <p:sp>
+        <p:nvSpPr>
+          <p:cNvPr id="2" name="Title 1">
+            <a:extLst>
+              <a:ext uri="{FF2B5EF4-FFF2-40B4-BE49-F238E27FC236}">
+                <a16:creationId xmlns:a16="http://schemas.microsoft.com/office/drawing/2014/main" id="{5BCD175E-82A9-41B4-993C-3513A39EAA54}"/>
+              </a:ext>
+            </a:extLst>
+          </p:cNvPr>
+          <p:cNvSpPr>
+            <a:spLocks noGrp="1"/>
+          </p:cNvSpPr>
+          <p:nvPr>
+            <p:ph type="title"/>
+          </p:nvPr>
+        </p:nvSpPr>
+        <p:spPr/>
+        <p:txBody>
+          <a:bodyPr/>
+          <a:lstStyle/>
+          <a:p>
+            <a:r>
+              <a:rPr lang="en-US" dirty="0"/>
+              <a:t>parting thoughts</a:t>
+            </a:r>
+          </a:p>
+        </p:txBody>
+      </p:sp>
+      <p:sp>
+        <p:nvSpPr>
+          <p:cNvPr id="7" name="TextBox 6">
+            <a:extLst>
+              <a:ext uri="{FF2B5EF4-FFF2-40B4-BE49-F238E27FC236}">
+                <a16:creationId xmlns:a16="http://schemas.microsoft.com/office/drawing/2014/main" id="{BFFCEC55-AEB4-4AA7-BEF6-78574321C921}"/>
+              </a:ext>
+            </a:extLst>
+          </p:cNvPr>
+          <p:cNvSpPr txBox="1"/>
+          <p:nvPr/>
+        </p:nvSpPr>
+        <p:spPr>
+          <a:xfrm>
+            <a:off x="427839" y="1359017"/>
+            <a:ext cx="11764161" cy="369332"/>
+          </a:xfrm>
+          <a:prstGeom prst="rect">
+            <a:avLst/>
+          </a:prstGeom>
+          <a:noFill/>
+        </p:spPr>
+        <p:txBody>
+          <a:bodyPr wrap="square" rtlCol="0">
+            <a:spAutoFit/>
+          </a:bodyPr>
+          <a:lstStyle/>
+          <a:p>
+            <a:pPr marL="285750" indent="-285750">
+              <a:buFont typeface="Arial" panose="020B0604020202020204" pitchFamily="34" charset="0"/>
+              <a:buChar char="•"/>
+            </a:pPr>
+            <a:r>
+              <a:rPr lang="en-US" dirty="0"/>
+              <a:t>A lot can go wrong when making a PCB</a:t>
+            </a:r>
+          </a:p>
+        </p:txBody>
+      </p:sp>
+    </p:spTree>
+    <p:extLst>
+      <p:ext uri="{BB962C8B-B14F-4D97-AF65-F5344CB8AC3E}">
+        <p14:creationId xmlns:p14="http://schemas.microsoft.com/office/powerpoint/2010/main" val="1158226633"/>
+      </p:ext>
+    </p:extLst>
+  </p:cSld>
+  <p:clrMapOvr>
+    <a:masterClrMapping/>
+  </p:clrMapOvr>
+</p:sld>
+</file>
+
+<file path=ppt/slides/slide25.xml><?xml version="1.0" encoding="utf-8"?>
+<p:sld xmlns:a="http://schemas.openxmlformats.org/drawingml/2006/main" xmlns:r="http://schemas.openxmlformats.org/officeDocument/2006/relationships" xmlns:p="http://schemas.openxmlformats.org/presentationml/2006/main">
+  <p:cSld>
+    <p:spTree>
+      <p:nvGrpSpPr>
+        <p:cNvPr id="1" name=""/>
+        <p:cNvGrpSpPr/>
+        <p:nvPr/>
+      </p:nvGrpSpPr>
+      <p:grpSpPr>
+        <a:xfrm>
+          <a:off x="0" y="0"/>
+          <a:ext cx="0" cy="0"/>
+          <a:chOff x="0" y="0"/>
+          <a:chExt cx="0" cy="0"/>
+        </a:xfrm>
+      </p:grpSpPr>
+      <p:sp>
+        <p:nvSpPr>
+          <p:cNvPr id="2" name="Title 1">
+            <a:extLst>
+              <a:ext uri="{FF2B5EF4-FFF2-40B4-BE49-F238E27FC236}">
+                <a16:creationId xmlns:a16="http://schemas.microsoft.com/office/drawing/2014/main" id="{5BCD175E-82A9-41B4-993C-3513A39EAA54}"/>
+              </a:ext>
+            </a:extLst>
+          </p:cNvPr>
+          <p:cNvSpPr>
+            <a:spLocks noGrp="1"/>
+          </p:cNvSpPr>
+          <p:nvPr>
+            <p:ph type="title"/>
+          </p:nvPr>
+        </p:nvSpPr>
+        <p:spPr/>
+        <p:txBody>
+          <a:bodyPr/>
+          <a:lstStyle/>
+          <a:p>
+            <a:r>
+              <a:rPr lang="en-US" dirty="0"/>
+              <a:t>parting thoughts</a:t>
+            </a:r>
+          </a:p>
+        </p:txBody>
+      </p:sp>
+      <p:sp>
+        <p:nvSpPr>
+          <p:cNvPr id="7" name="TextBox 6">
+            <a:extLst>
+              <a:ext uri="{FF2B5EF4-FFF2-40B4-BE49-F238E27FC236}">
+                <a16:creationId xmlns:a16="http://schemas.microsoft.com/office/drawing/2014/main" id="{BFFCEC55-AEB4-4AA7-BEF6-78574321C921}"/>
+              </a:ext>
+            </a:extLst>
+          </p:cNvPr>
+          <p:cNvSpPr txBox="1"/>
+          <p:nvPr/>
+        </p:nvSpPr>
+        <p:spPr>
+          <a:xfrm>
+            <a:off x="427839" y="1359017"/>
+            <a:ext cx="11764161" cy="1477328"/>
+          </a:xfrm>
+          <a:prstGeom prst="rect">
+            <a:avLst/>
+          </a:prstGeom>
+          <a:noFill/>
+        </p:spPr>
+        <p:txBody>
+          <a:bodyPr wrap="square" rtlCol="0">
+            <a:spAutoFit/>
+          </a:bodyPr>
+          <a:lstStyle/>
+          <a:p>
+            <a:pPr marL="285750" indent="-285750">
+              <a:buFont typeface="Arial" panose="020B0604020202020204" pitchFamily="34" charset="0"/>
+              <a:buChar char="•"/>
+            </a:pPr>
+            <a:r>
+              <a:rPr lang="en-US" dirty="0"/>
+              <a:t>A lot can go wrong when making a PCB</a:t>
+            </a:r>
+          </a:p>
+          <a:p>
+            <a:pPr marL="742950" lvl="1" indent="-285750">
+              <a:buFont typeface="Arial" panose="020B0604020202020204" pitchFamily="34" charset="0"/>
+              <a:buChar char="•"/>
+            </a:pPr>
+            <a:r>
+              <a:rPr lang="en-US" dirty="0"/>
+              <a:t>Poor layout</a:t>
+            </a:r>
+          </a:p>
+          <a:p>
+            <a:pPr marL="742950" lvl="1" indent="-285750">
+              <a:buFont typeface="Arial" panose="020B0604020202020204" pitchFamily="34" charset="0"/>
+              <a:buChar char="•"/>
+            </a:pPr>
+            <a:r>
+              <a:rPr lang="en-US" dirty="0"/>
+              <a:t>Mistakes in fabrication </a:t>
+            </a:r>
+          </a:p>
+          <a:p>
+            <a:pPr marL="1200150" lvl="2" indent="-285750">
+              <a:buFont typeface="Arial" panose="020B0604020202020204" pitchFamily="34" charset="0"/>
+              <a:buChar char="•"/>
+            </a:pPr>
+            <a:r>
+              <a:rPr lang="en-US" dirty="0"/>
+              <a:t>Mistakes in assembly</a:t>
+            </a:r>
+          </a:p>
+          <a:p>
+            <a:pPr marL="742950" lvl="1" indent="-285750">
+              <a:buFont typeface="Arial" panose="020B0604020202020204" pitchFamily="34" charset="0"/>
+              <a:buChar char="•"/>
+            </a:pPr>
+            <a:endParaRPr lang="en-US" dirty="0"/>
+          </a:p>
+        </p:txBody>
+      </p:sp>
+    </p:spTree>
+    <p:extLst>
+      <p:ext uri="{BB962C8B-B14F-4D97-AF65-F5344CB8AC3E}">
+        <p14:creationId xmlns:p14="http://schemas.microsoft.com/office/powerpoint/2010/main" val="3419130398"/>
+      </p:ext>
+    </p:extLst>
+  </p:cSld>
+  <p:clrMapOvr>
+    <a:masterClrMapping/>
+  </p:clrMapOvr>
+</p:sld>
+</file>
+
+<file path=ppt/slides/slide26.xml><?xml version="1.0" encoding="utf-8"?>
+<p:sld xmlns:a="http://schemas.openxmlformats.org/drawingml/2006/main" xmlns:r="http://schemas.openxmlformats.org/officeDocument/2006/relationships" xmlns:p="http://schemas.openxmlformats.org/presentationml/2006/main">
+  <p:cSld>
+    <p:spTree>
+      <p:nvGrpSpPr>
+        <p:cNvPr id="1" name=""/>
+        <p:cNvGrpSpPr/>
+        <p:nvPr/>
+      </p:nvGrpSpPr>
+      <p:grpSpPr>
+        <a:xfrm>
+          <a:off x="0" y="0"/>
+          <a:ext cx="0" cy="0"/>
+          <a:chOff x="0" y="0"/>
+          <a:chExt cx="0" cy="0"/>
+        </a:xfrm>
+      </p:grpSpPr>
+      <p:sp>
+        <p:nvSpPr>
+          <p:cNvPr id="2" name="Title 1">
+            <a:extLst>
+              <a:ext uri="{FF2B5EF4-FFF2-40B4-BE49-F238E27FC236}">
+                <a16:creationId xmlns:a16="http://schemas.microsoft.com/office/drawing/2014/main" id="{5BCD175E-82A9-41B4-993C-3513A39EAA54}"/>
+              </a:ext>
+            </a:extLst>
+          </p:cNvPr>
+          <p:cNvSpPr>
+            <a:spLocks noGrp="1"/>
+          </p:cNvSpPr>
+          <p:nvPr>
+            <p:ph type="title"/>
+          </p:nvPr>
+        </p:nvSpPr>
+        <p:spPr/>
+        <p:txBody>
+          <a:bodyPr/>
+          <a:lstStyle/>
+          <a:p>
+            <a:r>
+              <a:rPr lang="en-US" dirty="0"/>
+              <a:t>parting thoughts</a:t>
+            </a:r>
+          </a:p>
+        </p:txBody>
+      </p:sp>
+      <p:sp>
+        <p:nvSpPr>
+          <p:cNvPr id="7" name="TextBox 6">
+            <a:extLst>
+              <a:ext uri="{FF2B5EF4-FFF2-40B4-BE49-F238E27FC236}">
+                <a16:creationId xmlns:a16="http://schemas.microsoft.com/office/drawing/2014/main" id="{BFFCEC55-AEB4-4AA7-BEF6-78574321C921}"/>
+              </a:ext>
+            </a:extLst>
+          </p:cNvPr>
+          <p:cNvSpPr txBox="1"/>
+          <p:nvPr/>
+        </p:nvSpPr>
+        <p:spPr>
+          <a:xfrm>
+            <a:off x="427839" y="1359017"/>
+            <a:ext cx="11764161" cy="2031325"/>
+          </a:xfrm>
+          <a:prstGeom prst="rect">
+            <a:avLst/>
+          </a:prstGeom>
+          <a:noFill/>
+        </p:spPr>
+        <p:txBody>
+          <a:bodyPr wrap="square" rtlCol="0">
+            <a:spAutoFit/>
+          </a:bodyPr>
+          <a:lstStyle/>
+          <a:p>
+            <a:pPr marL="285750" indent="-285750">
+              <a:buFont typeface="Arial" panose="020B0604020202020204" pitchFamily="34" charset="0"/>
+              <a:buChar char="•"/>
+            </a:pPr>
+            <a:r>
+              <a:rPr lang="en-US" dirty="0"/>
+              <a:t>A lot can go wrong when making a PCB</a:t>
+            </a:r>
+          </a:p>
+          <a:p>
+            <a:pPr marL="742950" lvl="1" indent="-285750">
+              <a:buFont typeface="Arial" panose="020B0604020202020204" pitchFamily="34" charset="0"/>
+              <a:buChar char="•"/>
+            </a:pPr>
+            <a:r>
+              <a:rPr lang="en-US" dirty="0"/>
+              <a:t>Poor layout</a:t>
+            </a:r>
+          </a:p>
+          <a:p>
+            <a:pPr marL="742950" lvl="1" indent="-285750">
+              <a:buFont typeface="Arial" panose="020B0604020202020204" pitchFamily="34" charset="0"/>
+              <a:buChar char="•"/>
+            </a:pPr>
+            <a:r>
+              <a:rPr lang="en-US" dirty="0"/>
+              <a:t>Mistakes in fabrication </a:t>
+            </a:r>
+          </a:p>
+          <a:p>
+            <a:pPr marL="1200150" lvl="2" indent="-285750">
+              <a:buFont typeface="Arial" panose="020B0604020202020204" pitchFamily="34" charset="0"/>
+              <a:buChar char="•"/>
+            </a:pPr>
+            <a:r>
+              <a:rPr lang="en-US" dirty="0"/>
+              <a:t>Mistakes in assembly</a:t>
+            </a:r>
+          </a:p>
+          <a:p>
+            <a:pPr marL="285750" indent="-285750">
+              <a:buFont typeface="Arial" panose="020B0604020202020204" pitchFamily="34" charset="0"/>
+              <a:buChar char="•"/>
+            </a:pPr>
+            <a:r>
+              <a:rPr lang="en-US" dirty="0"/>
+              <a:t>Defensive driving exists for good reason – defend against risks</a:t>
+            </a:r>
+          </a:p>
+          <a:p>
+            <a:pPr marL="742950" lvl="1" indent="-285750">
+              <a:buFont typeface="Arial" panose="020B0604020202020204" pitchFamily="34" charset="0"/>
+              <a:buChar char="•"/>
+            </a:pPr>
+            <a:r>
+              <a:rPr lang="en-US" dirty="0"/>
+              <a:t>Same idea – layout PCBs with a defensive mindset</a:t>
+            </a:r>
+          </a:p>
+          <a:p>
+            <a:pPr marL="742950" lvl="1" indent="-285750">
+              <a:buFont typeface="Arial" panose="020B0604020202020204" pitchFamily="34" charset="0"/>
+              <a:buChar char="•"/>
+            </a:pPr>
+            <a:endParaRPr lang="en-US" dirty="0"/>
+          </a:p>
+        </p:txBody>
+      </p:sp>
+    </p:spTree>
+    <p:extLst>
+      <p:ext uri="{BB962C8B-B14F-4D97-AF65-F5344CB8AC3E}">
+        <p14:creationId xmlns:p14="http://schemas.microsoft.com/office/powerpoint/2010/main" val="1966599429"/>
       </p:ext>
     </p:extLst>
   </p:cSld>
@@ -6640,15 +7286,6 @@
 </file>
 
 <file path=customXml/item1.xml><?xml version="1.0" encoding="utf-8"?>
-<p:properties xmlns:p="http://schemas.microsoft.com/office/2006/metadata/properties" xmlns:xsi="http://www.w3.org/2001/XMLSchema-instance" xmlns:pc="http://schemas.microsoft.com/office/infopath/2007/PartnerControls">
-  <documentManagement>
-    <Status xmlns="71af3243-3dd4-4a8d-8c0d-dd76da1f02a5">Not started</Status>
-    <MediaServiceKeyPoints xmlns="71af3243-3dd4-4a8d-8c0d-dd76da1f02a5" xsi:nil="true"/>
-  </documentManagement>
-</p:properties>
-</file>
-
-<file path=customXml/item2.xml><?xml version="1.0" encoding="utf-8"?>
 <ct:contentTypeSchema xmlns:ct="http://schemas.microsoft.com/office/2006/metadata/contentType" xmlns:ma="http://schemas.microsoft.com/office/2006/metadata/properties/metaAttributes" ct:_="" ma:_="" ma:contentTypeName="Document" ma:contentTypeID="0x01010079F111ED35F8CC479449609E8A0923A6" ma:contentTypeVersion="12" ma:contentTypeDescription="Create a new document." ma:contentTypeScope="" ma:versionID="a8a52e8c320b9a064ae3583ae3861c92">
   <xsd:schema xmlns:xsd="http://www.w3.org/2001/XMLSchema" xmlns:xs="http://www.w3.org/2001/XMLSchema" xmlns:p="http://schemas.microsoft.com/office/2006/metadata/properties" xmlns:ns2="71af3243-3dd4-4a8d-8c0d-dd76da1f02a5" xmlns:ns3="16c05727-aa75-4e4a-9b5f-8a80a1165891" targetNamespace="http://schemas.microsoft.com/office/2006/metadata/properties" ma:root="true" ma:fieldsID="88020cb39231a0945110f9cd888b521a" ns2:_="" ns3:_="">
     <xsd:import namespace="71af3243-3dd4-4a8d-8c0d-dd76da1f02a5"/>
@@ -6869,6 +7506,15 @@
 </ct:contentTypeSchema>
 </file>
 
+<file path=customXml/item2.xml><?xml version="1.0" encoding="utf-8"?>
+<p:properties xmlns:p="http://schemas.microsoft.com/office/2006/metadata/properties" xmlns:xsi="http://www.w3.org/2001/XMLSchema-instance" xmlns:pc="http://schemas.microsoft.com/office/infopath/2007/PartnerControls">
+  <documentManagement>
+    <Status xmlns="71af3243-3dd4-4a8d-8c0d-dd76da1f02a5">Not started</Status>
+    <MediaServiceKeyPoints xmlns="71af3243-3dd4-4a8d-8c0d-dd76da1f02a5" xsi:nil="true"/>
+  </documentManagement>
+</p:properties>
+</file>
+
 <file path=customXml/item3.xml><?xml version="1.0" encoding="utf-8"?>
 <?mso-contentType ?>
 <FormTemplates xmlns="http://schemas.microsoft.com/sharepoint/v3/contenttype/forms">
@@ -6879,16 +7525,6 @@
 </file>
 
 <file path=customXml/itemProps1.xml><?xml version="1.0" encoding="utf-8"?>
-<ds:datastoreItem xmlns:ds="http://schemas.openxmlformats.org/officeDocument/2006/customXml" ds:itemID="{950072C5-DDE0-4258-BA7A-4D4B80DFA632}">
-  <ds:schemaRefs>
-    <ds:schemaRef ds:uri="http://schemas.microsoft.com/office/2006/metadata/properties"/>
-    <ds:schemaRef ds:uri="http://schemas.microsoft.com/office/infopath/2007/PartnerControls"/>
-    <ds:schemaRef ds:uri="71af3243-3dd4-4a8d-8c0d-dd76da1f02a5"/>
-  </ds:schemaRefs>
-</ds:datastoreItem>
-</file>
-
-<file path=customXml/itemProps2.xml><?xml version="1.0" encoding="utf-8"?>
 <ds:datastoreItem xmlns:ds="http://schemas.openxmlformats.org/officeDocument/2006/customXml" ds:itemID="{FD7FC771-7DFE-49DA-B577-71181BFBCB2E}">
   <ds:schemaRefs>
     <ds:schemaRef ds:uri="http://schemas.microsoft.com/office/2006/metadata/contentType"/>
@@ -6907,6 +7543,16 @@
 </ds:datastoreItem>
 </file>
 
+<file path=customXml/itemProps2.xml><?xml version="1.0" encoding="utf-8"?>
+<ds:datastoreItem xmlns:ds="http://schemas.openxmlformats.org/officeDocument/2006/customXml" ds:itemID="{950072C5-DDE0-4258-BA7A-4D4B80DFA632}">
+  <ds:schemaRefs>
+    <ds:schemaRef ds:uri="http://schemas.microsoft.com/office/2006/metadata/properties"/>
+    <ds:schemaRef ds:uri="http://schemas.microsoft.com/office/infopath/2007/PartnerControls"/>
+    <ds:schemaRef ds:uri="71af3243-3dd4-4a8d-8c0d-dd76da1f02a5"/>
+  </ds:schemaRefs>
+</ds:datastoreItem>
+</file>
+
 <file path=customXml/itemProps3.xml><?xml version="1.0" encoding="utf-8"?>
 <ds:datastoreItem xmlns:ds="http://schemas.openxmlformats.org/officeDocument/2006/customXml" ds:itemID="{7EE8C63A-4744-4DE4-BB49-0FF0B5375C60}">
   <ds:schemaRefs>
